--- a/휴가 테이블.pptx
+++ b/휴가 테이블.pptx
@@ -2,7 +2,7 @@
 <file path=ppt/presentation.xml><?xml version="1.0" encoding="utf-8"?>
 <p:presentation xmlns:r="http://schemas.openxmlformats.org/officeDocument/2006/relationships" xmlns:c="http://schemas.openxmlformats.org/drawingml/2006/chart" xmlns:a="http://schemas.openxmlformats.org/drawingml/2006/main" xmlns:dgm="http://schemas.openxmlformats.org/drawingml/2006/diagram" xmlns:dsp="http://schemas.microsoft.com/office/drawing/2008/diagram" xmlns:p="http://schemas.openxmlformats.org/presentationml/2006/main">
   <p:sldMasterIdLst>
-    <p:sldMasterId id="2147483777" r:id="rId1"/>
+    <p:sldMasterId id="2147483781" r:id="rId1"/>
   </p:sldMasterIdLst>
   <p:notesMasterIdLst>
     <p:notesMasterId r:id="rId2"/>
@@ -4121,7 +4121,7 @@
         </p:nvSpPr>
         <p:spPr>
           <a:xfrm>
-            <a:off x="3063230" y="220367"/>
+            <a:off x="4921199" y="269721"/>
             <a:ext cx="1174801" cy="718702"/>
           </a:xfrm>
           <a:prstGeom prst="ellipse">
@@ -4182,7 +4182,7 @@
         </p:nvSpPr>
         <p:spPr>
           <a:xfrm>
-            <a:off x="2866223" y="1704910"/>
+            <a:off x="5149335" y="2392914"/>
             <a:ext cx="784406" cy="506191"/>
           </a:xfrm>
           <a:prstGeom prst="rect">
@@ -4238,7 +4238,7 @@
         </p:nvSpPr>
         <p:spPr>
           <a:xfrm>
-            <a:off x="886998" y="1309086"/>
+            <a:off x="3688604" y="168565"/>
             <a:ext cx="1164968" cy="576242"/>
           </a:xfrm>
           <a:prstGeom prst="ellipse">
@@ -4299,7 +4299,7 @@
         </p:nvSpPr>
         <p:spPr>
           <a:xfrm>
-            <a:off x="8541369" y="1704910"/>
+            <a:off x="9641277" y="2567562"/>
             <a:ext cx="898472" cy="519109"/>
           </a:xfrm>
           <a:prstGeom prst="rect">
@@ -4355,7 +4355,7 @@
         </p:nvSpPr>
         <p:spPr>
           <a:xfrm>
-            <a:off x="1116501" y="695453"/>
+            <a:off x="6289424" y="564348"/>
             <a:ext cx="776645" cy="487232"/>
           </a:xfrm>
           <a:prstGeom prst="ellipse">
@@ -4416,7 +4416,7 @@
         </p:nvSpPr>
         <p:spPr>
           <a:xfrm>
-            <a:off x="8788008" y="2808997"/>
+            <a:off x="9095886" y="4641272"/>
             <a:ext cx="1244576" cy="468933"/>
           </a:xfrm>
           <a:prstGeom prst="ellipse">
@@ -4477,7 +4477,7 @@
         </p:nvSpPr>
         <p:spPr>
           <a:xfrm>
-            <a:off x="7865678" y="300419"/>
+            <a:off x="9131665" y="477654"/>
             <a:ext cx="1705549" cy="790068"/>
           </a:xfrm>
           <a:prstGeom prst="ellipse">
@@ -4538,7 +4538,7 @@
         </p:nvSpPr>
         <p:spPr>
           <a:xfrm>
-            <a:off x="1679196" y="220367"/>
+            <a:off x="3442033" y="946112"/>
             <a:ext cx="1240933" cy="487231"/>
           </a:xfrm>
           <a:prstGeom prst="ellipse">
@@ -4619,9 +4619,9 @@
           <p:nvPr/>
         </p:nvCxnSpPr>
         <p:spPr>
-          <a:xfrm rot="5400000" flipH="1" flipV="1">
-            <a:off x="3071608" y="1125887"/>
-            <a:ext cx="765841" cy="392204"/>
+          <a:xfrm rot="16200000" flipV="1">
+            <a:off x="4822824" y="1674199"/>
+            <a:ext cx="1404490" cy="32938"/>
           </a:xfrm>
           <a:prstGeom prst="line">
             <a:avLst/>
@@ -4653,8 +4653,8 @@
         </p:nvCxnSpPr>
         <p:spPr>
           <a:xfrm rot="16200000" flipV="1">
-            <a:off x="8547318" y="1261623"/>
-            <a:ext cx="614422" cy="272152"/>
+            <a:off x="9387556" y="1864605"/>
+            <a:ext cx="1299840" cy="106073"/>
           </a:xfrm>
           <a:prstGeom prst="line">
             <a:avLst/>
@@ -4683,7 +4683,7 @@
         </p:nvSpPr>
         <p:spPr>
           <a:xfrm>
-            <a:off x="10920466" y="505642"/>
+            <a:off x="10539749" y="1450694"/>
             <a:ext cx="898473" cy="543009"/>
           </a:xfrm>
           <a:prstGeom prst="ellipse">
@@ -4744,7 +4744,7 @@
         </p:nvSpPr>
         <p:spPr>
           <a:xfrm>
-            <a:off x="8515513" y="3902835"/>
+            <a:off x="8687634" y="4050321"/>
             <a:ext cx="816503" cy="543008"/>
           </a:xfrm>
           <a:prstGeom prst="ellipse">
@@ -4805,7 +4805,7 @@
         </p:nvSpPr>
         <p:spPr>
           <a:xfrm>
-            <a:off x="9720476" y="505642"/>
+            <a:off x="8736273" y="1450695"/>
             <a:ext cx="905004" cy="543008"/>
           </a:xfrm>
           <a:prstGeom prst="ellipse">
@@ -4862,15 +4862,15 @@
         <p:nvCxnSpPr>
           <p:cNvPr id="38" name=""/>
           <p:cNvCxnSpPr>
-            <a:stCxn id="5" idx="1"/>
-            <a:endCxn id="24" idx="4"/>
+            <a:stCxn id="5" idx="0"/>
+            <a:endCxn id="24" idx="5"/>
           </p:cNvCxnSpPr>
           <p:nvPr/>
         </p:nvCxnSpPr>
         <p:spPr>
-          <a:xfrm rot="16200000" flipV="1">
-            <a:off x="1957739" y="1049521"/>
-            <a:ext cx="1250407" cy="566561"/>
+          <a:xfrm rot="10800000">
+            <a:off x="4501236" y="1361990"/>
+            <a:ext cx="1040301" cy="1030923"/>
           </a:xfrm>
           <a:prstGeom prst="line">
             <a:avLst/>
@@ -4895,15 +4895,15 @@
         <p:nvCxnSpPr>
           <p:cNvPr id="39" name=""/>
           <p:cNvCxnSpPr>
-            <a:stCxn id="5" idx="1"/>
-            <a:endCxn id="13" idx="6"/>
+            <a:stCxn id="5" idx="0"/>
+            <a:endCxn id="13" idx="3"/>
           </p:cNvCxnSpPr>
           <p:nvPr/>
         </p:nvCxnSpPr>
         <p:spPr>
-          <a:xfrm rot="16200000" flipV="1">
-            <a:off x="1870216" y="961998"/>
-            <a:ext cx="1018936" cy="973077"/>
+          <a:xfrm rot="5400000" flipH="1" flipV="1">
+            <a:off x="5266005" y="1255758"/>
+            <a:ext cx="1412687" cy="861625"/>
           </a:xfrm>
           <a:prstGeom prst="line">
             <a:avLst/>
@@ -4928,15 +4928,15 @@
         <p:nvCxnSpPr>
           <p:cNvPr id="40" name=""/>
           <p:cNvCxnSpPr>
-            <a:stCxn id="5" idx="1"/>
-            <a:endCxn id="10" idx="6"/>
+            <a:stCxn id="5" idx="0"/>
+            <a:endCxn id="10" idx="5"/>
           </p:cNvCxnSpPr>
           <p:nvPr/>
         </p:nvCxnSpPr>
         <p:spPr>
-          <a:xfrm rot="10800000">
-            <a:off x="2051966" y="1597207"/>
-            <a:ext cx="814257" cy="360798"/>
+          <a:xfrm rot="16200000" flipV="1">
+            <a:off x="4246004" y="1097380"/>
+            <a:ext cx="1732495" cy="858571"/>
           </a:xfrm>
           <a:prstGeom prst="line">
             <a:avLst/>
@@ -4961,15 +4961,15 @@
         <p:nvCxnSpPr>
           <p:cNvPr id="41" name=""/>
           <p:cNvCxnSpPr>
-            <a:stCxn id="5" idx="1"/>
-            <a:endCxn id="61" idx="6"/>
+            <a:stCxn id="5" idx="0"/>
+            <a:endCxn id="61" idx="7"/>
           </p:cNvCxnSpPr>
           <p:nvPr/>
         </p:nvCxnSpPr>
         <p:spPr>
-          <a:xfrm rot="10800000" flipV="1">
-            <a:off x="1698985" y="1958005"/>
-            <a:ext cx="1167238" cy="266013"/>
+          <a:xfrm flipV="1">
+            <a:off x="5541538" y="1274117"/>
+            <a:ext cx="1815230" cy="1118797"/>
           </a:xfrm>
           <a:prstGeom prst="line">
             <a:avLst/>
@@ -4994,81 +4994,15 @@
         <p:nvCxnSpPr>
           <p:cNvPr id="42" name=""/>
           <p:cNvCxnSpPr>
-            <a:stCxn id="5" idx="1"/>
-            <a:endCxn id="59" idx="7"/>
+            <a:stCxn id="5" idx="2"/>
+            <a:endCxn id="59" idx="0"/>
           </p:cNvCxnSpPr>
           <p:nvPr/>
         </p:nvCxnSpPr>
         <p:spPr>
           <a:xfrm rot="5400000">
-            <a:off x="2044021" y="1977962"/>
-            <a:ext cx="842159" cy="802245"/>
-          </a:xfrm>
-          <a:prstGeom prst="line">
-            <a:avLst/>
-          </a:prstGeom>
-        </p:spPr>
-        <p:style>
-          <a:lnRef idx="1">
-            <a:schemeClr val="accent1"/>
-          </a:lnRef>
-          <a:fillRef idx="0">
-            <a:schemeClr val="accent1"/>
-          </a:fillRef>
-          <a:effectRef idx="0">
-            <a:schemeClr val="accent1"/>
-          </a:effectRef>
-          <a:fontRef idx="minor">
-            <a:schemeClr val="tx1"/>
-          </a:fontRef>
-        </p:style>
-      </p:cxnSp>
-      <p:cxnSp>
-        <p:nvCxnSpPr>
-          <p:cNvPr id="45" name=""/>
-          <p:cNvCxnSpPr>
-            <a:stCxn id="71" idx="0"/>
-            <a:endCxn id="33" idx="4"/>
-          </p:cNvCxnSpPr>
-          <p:nvPr/>
-        </p:nvCxnSpPr>
-        <p:spPr>
-          <a:xfrm rot="10800000">
-            <a:off x="10172978" y="1048651"/>
-            <a:ext cx="733136" cy="658442"/>
-          </a:xfrm>
-          <a:prstGeom prst="line">
-            <a:avLst/>
-          </a:prstGeom>
-        </p:spPr>
-        <p:style>
-          <a:lnRef idx="1">
-            <a:schemeClr val="accent1"/>
-          </a:lnRef>
-          <a:fillRef idx="0">
-            <a:schemeClr val="accent1"/>
-          </a:fillRef>
-          <a:effectRef idx="0">
-            <a:schemeClr val="accent1"/>
-          </a:effectRef>
-          <a:fontRef idx="minor">
-            <a:schemeClr val="tx1"/>
-          </a:fontRef>
-        </p:style>
-      </p:cxnSp>
-      <p:cxnSp>
-        <p:nvCxnSpPr>
-          <p:cNvPr id="46" name=""/>
-          <p:cNvCxnSpPr>
-            <a:stCxn id="71" idx="0"/>
-            <a:endCxn id="31" idx="4"/>
-          </p:cNvCxnSpPr>
-          <p:nvPr/>
-        </p:nvCxnSpPr>
-        <p:spPr>
-          <a:xfrm rot="5400000" flipH="1" flipV="1">
-            <a:off x="10808687" y="1146078"/>
-            <a:ext cx="658441" cy="463588"/>
+            <a:off x="4149011" y="4156634"/>
+            <a:ext cx="2650056" cy="134997"/>
           </a:xfrm>
           <a:prstGeom prst="line">
             <a:avLst/>
@@ -5093,15 +5027,15 @@
         <p:nvCxnSpPr>
           <p:cNvPr id="47" name=""/>
           <p:cNvCxnSpPr>
-            <a:stCxn id="22" idx="4"/>
-            <a:endCxn id="32" idx="0"/>
+            <a:stCxn id="12" idx="2"/>
+            <a:endCxn id="32" idx="7"/>
           </p:cNvCxnSpPr>
           <p:nvPr/>
         </p:nvCxnSpPr>
         <p:spPr>
           <a:xfrm rot="5400000">
-            <a:off x="8854578" y="3347117"/>
-            <a:ext cx="624905" cy="486531"/>
+            <a:off x="9215952" y="3255282"/>
+            <a:ext cx="1043171" cy="705950"/>
           </a:xfrm>
           <a:prstGeom prst="line">
             <a:avLst/>
@@ -5132,9 +5066,9 @@
           <p:nvPr/>
         </p:nvCxnSpPr>
         <p:spPr>
-          <a:xfrm rot="16200000" flipH="1">
-            <a:off x="8907960" y="2306662"/>
-            <a:ext cx="584977" cy="419691"/>
+          <a:xfrm rot="5400000">
+            <a:off x="9127043" y="3677802"/>
+            <a:ext cx="1554601" cy="372339"/>
           </a:xfrm>
           <a:prstGeom prst="line">
             <a:avLst/>
@@ -5165,9 +5099,9 @@
           <p:nvPr/>
         </p:nvCxnSpPr>
         <p:spPr>
-          <a:xfrm rot="5400000">
-            <a:off x="2599399" y="2769972"/>
-            <a:ext cx="1217899" cy="100156"/>
+          <a:xfrm rot="16200000" flipH="1">
+            <a:off x="4852573" y="3588070"/>
+            <a:ext cx="1932392" cy="554462"/>
           </a:xfrm>
           <a:prstGeom prst="line">
             <a:avLst/>
@@ -5196,7 +5130,7 @@
         </p:nvSpPr>
         <p:spPr>
           <a:xfrm>
-            <a:off x="886998" y="2713481"/>
+            <a:off x="4717082" y="5549161"/>
             <a:ext cx="1378918" cy="591911"/>
           </a:xfrm>
           <a:prstGeom prst="ellipse">
@@ -5257,8 +5191,8 @@
         </p:nvSpPr>
         <p:spPr>
           <a:xfrm>
-            <a:off x="1893146" y="3429000"/>
-            <a:ext cx="776645" cy="576242"/>
+            <a:off x="3634948" y="4875739"/>
+            <a:ext cx="1272280" cy="576242"/>
           </a:xfrm>
           <a:prstGeom prst="ellipse">
             <a:avLst/>
@@ -5318,8 +5252,8 @@
         </p:nvSpPr>
         <p:spPr>
           <a:xfrm>
-            <a:off x="922340" y="1935898"/>
-            <a:ext cx="776645" cy="576242"/>
+            <a:off x="6484322" y="1189728"/>
+            <a:ext cx="1022134" cy="576242"/>
           </a:xfrm>
           <a:prstGeom prst="ellipse">
             <a:avLst/>
@@ -5379,8 +5313,8 @@
         </p:nvSpPr>
         <p:spPr>
           <a:xfrm>
-            <a:off x="2769948" y="3429000"/>
-            <a:ext cx="776645" cy="576242"/>
+            <a:off x="5514253" y="4831497"/>
+            <a:ext cx="1163494" cy="576242"/>
           </a:xfrm>
           <a:prstGeom prst="ellipse">
             <a:avLst/>
@@ -5443,8 +5377,8 @@
         </p:nvCxnSpPr>
         <p:spPr>
           <a:xfrm rot="5400000" flipH="1" flipV="1">
-            <a:off x="2160998" y="2331571"/>
-            <a:ext cx="1217899" cy="976958"/>
+            <a:off x="3917996" y="3252197"/>
+            <a:ext cx="1976634" cy="1270450"/>
           </a:xfrm>
           <a:prstGeom prst="line">
             <a:avLst/>
@@ -5473,7 +5407,7 @@
         </p:nvSpPr>
         <p:spPr>
           <a:xfrm>
-            <a:off x="3650631" y="3429000"/>
+            <a:off x="6504647" y="4447275"/>
             <a:ext cx="1249592" cy="487231"/>
           </a:xfrm>
           <a:prstGeom prst="ellipse">
@@ -5537,12 +5471,20 @@
         </p:nvCxnSpPr>
         <p:spPr>
           <a:xfrm>
-            <a:off x="3650629" y="1958005"/>
-            <a:ext cx="4890739" cy="6459"/>
+            <a:off x="5933741" y="2646009"/>
+            <a:ext cx="3707536" cy="181107"/>
           </a:xfrm>
           <a:prstGeom prst="line">
             <a:avLst/>
           </a:prstGeom>
+          <a:ln>
+            <a:solidFill>
+              <a:schemeClr val="accent1">
+                <a:satMod val="105000"/>
+              </a:schemeClr>
+            </a:solidFill>
+            <a:prstDash val="dash"/>
+          </a:ln>
         </p:spPr>
         <p:style>
           <a:lnRef idx="1">
@@ -5567,7 +5509,7 @@
         </p:nvSpPr>
         <p:spPr>
           <a:xfrm>
-            <a:off x="9571228" y="3902835"/>
+            <a:off x="9932210" y="3982549"/>
             <a:ext cx="816503" cy="543008"/>
           </a:xfrm>
           <a:prstGeom prst="ellipse">
@@ -5622,14 +5564,14 @@
       </p:sp>
       <p:sp>
         <p:nvSpPr>
-          <p:cNvPr id="71" name=""/>
+          <p:cNvPr id="73" name=""/>
           <p:cNvSpPr/>
           <p:nvPr/>
         </p:nvSpPr>
         <p:spPr>
           <a:xfrm>
-            <a:off x="10032583" y="1707093"/>
-            <a:ext cx="1747062" cy="543009"/>
+            <a:off x="10684700" y="4447274"/>
+            <a:ext cx="1203500" cy="543008"/>
           </a:xfrm>
           <a:prstGeom prst="ellipse">
             <a:avLst/>
@@ -5671,7 +5613,7 @@
                   <a:schemeClr val="tx1"/>
                 </a:solidFill>
               </a:rPr>
-              <a:t>휴가 총 사용일</a:t>
+              <a:t>결재상태</a:t>
             </a:r>
             <a:endParaRPr lang="ko-KR" altLang="en-US" sz="1200">
               <a:solidFill>
@@ -5683,111 +5625,17 @@
       </p:sp>
       <p:cxnSp>
         <p:nvCxnSpPr>
-          <p:cNvPr id="72" name=""/>
-          <p:cNvCxnSpPr>
-            <a:stCxn id="12" idx="3"/>
-            <a:endCxn id="71" idx="2"/>
-          </p:cNvCxnSpPr>
-          <p:nvPr/>
-        </p:nvCxnSpPr>
-        <p:spPr>
-          <a:xfrm>
-            <a:off x="9439842" y="1964464"/>
-            <a:ext cx="592741" cy="14133"/>
-          </a:xfrm>
-          <a:prstGeom prst="line">
-            <a:avLst/>
-          </a:prstGeom>
-        </p:spPr>
-        <p:style>
-          <a:lnRef idx="1">
-            <a:schemeClr val="accent1"/>
-          </a:lnRef>
-          <a:fillRef idx="0">
-            <a:schemeClr val="accent1"/>
-          </a:fillRef>
-          <a:effectRef idx="0">
-            <a:schemeClr val="accent1"/>
-          </a:effectRef>
-          <a:fontRef idx="minor">
-            <a:schemeClr val="tx1"/>
-          </a:fontRef>
-        </p:style>
-      </p:cxnSp>
-      <p:sp>
-        <p:nvSpPr>
-          <p:cNvPr id="73" name=""/>
-          <p:cNvSpPr/>
-          <p:nvPr/>
-        </p:nvSpPr>
-        <p:spPr>
-          <a:xfrm>
-            <a:off x="9571228" y="5026233"/>
-            <a:ext cx="1203500" cy="543008"/>
-          </a:xfrm>
-          <a:prstGeom prst="ellipse">
-            <a:avLst/>
-          </a:prstGeom>
-          <a:solidFill>
-            <a:srgbClr val="ffffff"/>
-          </a:solidFill>
-          <a:ln>
-            <a:solidFill>
-              <a:schemeClr val="dk1"/>
-            </a:solidFill>
-          </a:ln>
-        </p:spPr>
-        <p:style>
-          <a:lnRef idx="2">
-            <a:schemeClr val="accent1">
-              <a:shade val="20000"/>
-            </a:schemeClr>
-          </a:lnRef>
-          <a:fillRef idx="1">
-            <a:schemeClr val="accent1"/>
-          </a:fillRef>
-          <a:effectRef idx="0">
-            <a:schemeClr val="accent1"/>
-          </a:effectRef>
-          <a:fontRef idx="minor">
-            <a:schemeClr val="lt1"/>
-          </a:fontRef>
-        </p:style>
-        <p:txBody>
-          <a:bodyPr anchor="ctr"/>
-          <a:p>
-            <a:pPr algn="ctr">
-              <a:defRPr/>
-            </a:pPr>
-            <a:r>
-              <a:rPr lang="ko-KR" altLang="en-US" sz="1200">
-                <a:solidFill>
-                  <a:schemeClr val="tx1"/>
-                </a:solidFill>
-              </a:rPr>
-              <a:t>결재상태</a:t>
-            </a:r>
-            <a:endParaRPr lang="ko-KR" altLang="en-US" sz="1200">
-              <a:solidFill>
-                <a:schemeClr val="tx1"/>
-              </a:solidFill>
-            </a:endParaRPr>
-          </a:p>
-        </p:txBody>
-      </p:sp>
-      <p:cxnSp>
-        <p:nvCxnSpPr>
           <p:cNvPr id="74" name=""/>
           <p:cNvCxnSpPr>
-            <a:stCxn id="22" idx="4"/>
+            <a:stCxn id="12" idx="2"/>
             <a:endCxn id="69" idx="0"/>
           </p:cNvCxnSpPr>
           <p:nvPr/>
         </p:nvCxnSpPr>
         <p:spPr>
           <a:xfrm rot="16200000" flipH="1">
-            <a:off x="9382436" y="3305790"/>
-            <a:ext cx="624905" cy="569184"/>
+            <a:off x="9767549" y="3409636"/>
+            <a:ext cx="895878" cy="249949"/>
           </a:xfrm>
           <a:prstGeom prst="line">
             <a:avLst/>
@@ -5812,15 +5660,15 @@
         <p:nvCxnSpPr>
           <p:cNvPr id="75" name=""/>
           <p:cNvCxnSpPr>
-            <a:stCxn id="69" idx="4"/>
+            <a:stCxn id="12" idx="2"/>
             <a:endCxn id="73" idx="0"/>
           </p:cNvCxnSpPr>
           <p:nvPr/>
         </p:nvCxnSpPr>
         <p:spPr>
           <a:xfrm rot="16200000" flipH="1">
-            <a:off x="9786034" y="4639289"/>
-            <a:ext cx="580389" cy="193498"/>
+            <a:off x="10008181" y="3169004"/>
+            <a:ext cx="1360602" cy="1195937"/>
           </a:xfrm>
           <a:prstGeom prst="line">
             <a:avLst/>
@@ -5851,9 +5699,9 @@
           <p:nvPr/>
         </p:nvCxnSpPr>
         <p:spPr>
-          <a:xfrm rot="16200000" flipH="1">
-            <a:off x="3157977" y="2311550"/>
-            <a:ext cx="1217899" cy="1017000"/>
+          <a:xfrm>
+            <a:off x="5541538" y="2899105"/>
+            <a:ext cx="1587905" cy="1548170"/>
           </a:xfrm>
           <a:prstGeom prst="line">
             <a:avLst/>
@@ -5882,7 +5730,7 @@
         </p:nvSpPr>
         <p:spPr>
           <a:xfrm>
-            <a:off x="3766928" y="1524492"/>
+            <a:off x="6050040" y="2212496"/>
             <a:ext cx="333028" cy="360836"/>
           </a:xfrm>
           <a:prstGeom prst="rect">
@@ -5913,7 +5761,7 @@
         </p:nvSpPr>
         <p:spPr>
           <a:xfrm>
-            <a:off x="8142255" y="1524492"/>
+            <a:off x="9337480" y="2433347"/>
             <a:ext cx="237452" cy="365203"/>
           </a:xfrm>
           <a:prstGeom prst="rect">
@@ -5936,6 +5784,599 @@
           </a:p>
         </p:txBody>
       </p:sp>
+      <p:sp>
+        <p:nvSpPr>
+          <p:cNvPr id="80" name=""/>
+          <p:cNvSpPr/>
+          <p:nvPr/>
+        </p:nvSpPr>
+        <p:spPr>
+          <a:xfrm>
+            <a:off x="1083899" y="2573332"/>
+            <a:ext cx="1497467" cy="519107"/>
+          </a:xfrm>
+          <a:prstGeom prst="rect">
+            <a:avLst/>
+          </a:prstGeom>
+          <a:solidFill>
+            <a:schemeClr val="lt1"/>
+          </a:solidFill>
+        </p:spPr>
+        <p:style>
+          <a:lnRef idx="2">
+            <a:schemeClr val="accent1">
+              <a:shade val="20000"/>
+            </a:schemeClr>
+          </a:lnRef>
+          <a:fillRef idx="1">
+            <a:schemeClr val="accent1"/>
+          </a:fillRef>
+          <a:effectRef idx="0">
+            <a:schemeClr val="accent1"/>
+          </a:effectRef>
+          <a:fontRef idx="minor">
+            <a:schemeClr val="lt1"/>
+          </a:fontRef>
+        </p:style>
+        <p:txBody>
+          <a:bodyPr anchor="ctr"/>
+          <a:p>
+            <a:pPr algn="ctr">
+              <a:defRPr/>
+            </a:pPr>
+            <a:r>
+              <a:rPr lang="ko-KR" altLang="en-US" sz="1200">
+                <a:solidFill>
+                  <a:schemeClr val="tx1"/>
+                </a:solidFill>
+              </a:rPr>
+              <a:t>휴가 총 사용일</a:t>
+            </a:r>
+            <a:endParaRPr lang="ko-KR" altLang="en-US" sz="1200">
+              <a:solidFill>
+                <a:schemeClr val="tx1"/>
+              </a:solidFill>
+            </a:endParaRPr>
+          </a:p>
+        </p:txBody>
+      </p:sp>
+      <p:cxnSp>
+        <p:nvCxnSpPr>
+          <p:cNvPr id="81" name=""/>
+          <p:cNvCxnSpPr>
+            <a:stCxn id="33" idx="4"/>
+            <a:endCxn id="12" idx="0"/>
+          </p:cNvCxnSpPr>
+          <p:nvPr/>
+        </p:nvCxnSpPr>
+        <p:spPr>
+          <a:xfrm>
+            <a:off x="9188775" y="1993703"/>
+            <a:ext cx="901738" cy="573858"/>
+          </a:xfrm>
+          <a:prstGeom prst="line">
+            <a:avLst/>
+          </a:prstGeom>
+        </p:spPr>
+        <p:style>
+          <a:lnRef idx="1">
+            <a:schemeClr val="accent1"/>
+          </a:lnRef>
+          <a:fillRef idx="0">
+            <a:schemeClr val="accent1"/>
+          </a:fillRef>
+          <a:effectRef idx="0">
+            <a:schemeClr val="accent1"/>
+          </a:effectRef>
+          <a:fontRef idx="minor">
+            <a:schemeClr val="tx1"/>
+          </a:fontRef>
+        </p:style>
+      </p:cxnSp>
+      <p:cxnSp>
+        <p:nvCxnSpPr>
+          <p:cNvPr id="82" name=""/>
+          <p:cNvCxnSpPr>
+            <a:stCxn id="31" idx="3"/>
+            <a:endCxn id="12" idx="0"/>
+          </p:cNvCxnSpPr>
+          <p:nvPr/>
+        </p:nvCxnSpPr>
+        <p:spPr>
+          <a:xfrm rot="5400000">
+            <a:off x="10054230" y="1950464"/>
+            <a:ext cx="653380" cy="580815"/>
+          </a:xfrm>
+          <a:prstGeom prst="line">
+            <a:avLst/>
+          </a:prstGeom>
+        </p:spPr>
+        <p:style>
+          <a:lnRef idx="1">
+            <a:schemeClr val="accent1"/>
+          </a:lnRef>
+          <a:fillRef idx="0">
+            <a:schemeClr val="accent1"/>
+          </a:fillRef>
+          <a:effectRef idx="0">
+            <a:schemeClr val="accent1"/>
+          </a:effectRef>
+          <a:fontRef idx="minor">
+            <a:schemeClr val="tx1"/>
+          </a:fontRef>
+        </p:style>
+      </p:cxnSp>
+      <p:sp>
+        <p:nvSpPr>
+          <p:cNvPr id="84" name=""/>
+          <p:cNvSpPr/>
+          <p:nvPr/>
+        </p:nvSpPr>
+        <p:spPr>
+          <a:xfrm>
+            <a:off x="1245232" y="807964"/>
+            <a:ext cx="1174801" cy="718702"/>
+          </a:xfrm>
+          <a:prstGeom prst="ellipse">
+            <a:avLst/>
+          </a:prstGeom>
+          <a:solidFill>
+            <a:srgbClr val="ffffff"/>
+          </a:solidFill>
+          <a:ln>
+            <a:solidFill>
+              <a:schemeClr val="dk1"/>
+            </a:solidFill>
+          </a:ln>
+        </p:spPr>
+        <p:style>
+          <a:lnRef idx="2">
+            <a:schemeClr val="accent1">
+              <a:shade val="20000"/>
+            </a:schemeClr>
+          </a:lnRef>
+          <a:fillRef idx="1">
+            <a:schemeClr val="accent1"/>
+          </a:fillRef>
+          <a:effectRef idx="0">
+            <a:schemeClr val="accent1"/>
+          </a:effectRef>
+          <a:fontRef idx="minor">
+            <a:schemeClr val="lt1"/>
+          </a:fontRef>
+        </p:style>
+        <p:txBody>
+          <a:bodyPr anchor="ctr"/>
+          <a:p>
+            <a:pPr algn="ctr">
+              <a:defRPr/>
+            </a:pPr>
+            <a:r>
+              <a:rPr lang="ko-KR" altLang="en-US" sz="1200" b="1" u="sng">
+                <a:solidFill>
+                  <a:schemeClr val="tx1"/>
+                </a:solidFill>
+              </a:rPr>
+              <a:t>사원번호</a:t>
+            </a:r>
+            <a:endParaRPr lang="ko-KR" altLang="en-US" sz="1200" b="1" u="sng">
+              <a:solidFill>
+                <a:schemeClr val="tx1"/>
+              </a:solidFill>
+            </a:endParaRPr>
+          </a:p>
+        </p:txBody>
+      </p:sp>
+      <p:sp>
+        <p:nvSpPr>
+          <p:cNvPr id="85" name=""/>
+          <p:cNvSpPr/>
+          <p:nvPr/>
+        </p:nvSpPr>
+        <p:spPr>
+          <a:xfrm>
+            <a:off x="231370" y="3894702"/>
+            <a:ext cx="1601262" cy="718702"/>
+          </a:xfrm>
+          <a:prstGeom prst="ellipse">
+            <a:avLst/>
+          </a:prstGeom>
+          <a:solidFill>
+            <a:srgbClr val="ffffff"/>
+          </a:solidFill>
+          <a:ln>
+            <a:solidFill>
+              <a:schemeClr val="dk1"/>
+            </a:solidFill>
+          </a:ln>
+        </p:spPr>
+        <p:style>
+          <a:lnRef idx="2">
+            <a:schemeClr val="accent1">
+              <a:shade val="20000"/>
+            </a:schemeClr>
+          </a:lnRef>
+          <a:fillRef idx="1">
+            <a:schemeClr val="accent1"/>
+          </a:fillRef>
+          <a:effectRef idx="0">
+            <a:schemeClr val="accent1"/>
+          </a:effectRef>
+          <a:fontRef idx="minor">
+            <a:schemeClr val="lt1"/>
+          </a:fontRef>
+        </p:style>
+        <p:txBody>
+          <a:bodyPr anchor="ctr"/>
+          <a:p>
+            <a:pPr algn="ctr">
+              <a:defRPr/>
+            </a:pPr>
+            <a:r>
+              <a:rPr lang="ko-KR" altLang="en-US" sz="1200">
+                <a:solidFill>
+                  <a:schemeClr val="tx1"/>
+                </a:solidFill>
+              </a:rPr>
+              <a:t>잔여휴가일수</a:t>
+            </a:r>
+            <a:endParaRPr lang="ko-KR" altLang="en-US" sz="1200">
+              <a:solidFill>
+                <a:schemeClr val="tx1"/>
+              </a:solidFill>
+            </a:endParaRPr>
+          </a:p>
+        </p:txBody>
+      </p:sp>
+      <p:sp>
+        <p:nvSpPr>
+          <p:cNvPr id="86" name=""/>
+          <p:cNvSpPr/>
+          <p:nvPr/>
+        </p:nvSpPr>
+        <p:spPr>
+          <a:xfrm>
+            <a:off x="1840770" y="3922571"/>
+            <a:ext cx="1453968" cy="718702"/>
+          </a:xfrm>
+          <a:prstGeom prst="ellipse">
+            <a:avLst/>
+          </a:prstGeom>
+          <a:solidFill>
+            <a:srgbClr val="ffffff"/>
+          </a:solidFill>
+          <a:ln>
+            <a:solidFill>
+              <a:schemeClr val="dk1"/>
+            </a:solidFill>
+          </a:ln>
+        </p:spPr>
+        <p:style>
+          <a:lnRef idx="2">
+            <a:schemeClr val="accent1">
+              <a:shade val="20000"/>
+            </a:schemeClr>
+          </a:lnRef>
+          <a:fillRef idx="1">
+            <a:schemeClr val="accent1"/>
+          </a:fillRef>
+          <a:effectRef idx="0">
+            <a:schemeClr val="accent1"/>
+          </a:effectRef>
+          <a:fontRef idx="minor">
+            <a:schemeClr val="lt1"/>
+          </a:fontRef>
+        </p:style>
+        <p:txBody>
+          <a:bodyPr anchor="ctr"/>
+          <a:p>
+            <a:pPr algn="ctr">
+              <a:defRPr/>
+            </a:pPr>
+            <a:r>
+              <a:rPr lang="ko-KR" altLang="en-US" sz="1200" b="1" u="sng">
+                <a:solidFill>
+                  <a:schemeClr val="tx1"/>
+                </a:solidFill>
+              </a:rPr>
+              <a:t>연차 연도</a:t>
+            </a:r>
+            <a:endParaRPr lang="ko-KR" altLang="en-US" sz="1200" b="1" u="sng">
+              <a:solidFill>
+                <a:schemeClr val="tx1"/>
+              </a:solidFill>
+            </a:endParaRPr>
+          </a:p>
+        </p:txBody>
+      </p:sp>
+      <p:cxnSp>
+        <p:nvCxnSpPr>
+          <p:cNvPr id="87" name=""/>
+          <p:cNvCxnSpPr>
+            <a:stCxn id="84" idx="4"/>
+            <a:endCxn id="80" idx="0"/>
+          </p:cNvCxnSpPr>
+          <p:nvPr/>
+        </p:nvCxnSpPr>
+        <p:spPr>
+          <a:xfrm rot="16200000" flipH="1" flipV="1">
+            <a:off x="1309300" y="2049998"/>
+            <a:ext cx="1046666" cy="0"/>
+          </a:xfrm>
+          <a:prstGeom prst="line">
+            <a:avLst/>
+          </a:prstGeom>
+        </p:spPr>
+        <p:style>
+          <a:lnRef idx="1">
+            <a:schemeClr val="accent1"/>
+          </a:lnRef>
+          <a:fillRef idx="0">
+            <a:schemeClr val="accent1"/>
+          </a:fillRef>
+          <a:effectRef idx="0">
+            <a:schemeClr val="accent1"/>
+          </a:effectRef>
+          <a:fontRef idx="minor">
+            <a:schemeClr val="tx1"/>
+          </a:fontRef>
+        </p:style>
+      </p:cxnSp>
+      <p:cxnSp>
+        <p:nvCxnSpPr>
+          <p:cNvPr id="88" name=""/>
+          <p:cNvCxnSpPr>
+            <a:stCxn id="80" idx="2"/>
+            <a:endCxn id="85" idx="0"/>
+          </p:cNvCxnSpPr>
+          <p:nvPr/>
+        </p:nvCxnSpPr>
+        <p:spPr>
+          <a:xfrm rot="5400000">
+            <a:off x="1031186" y="3093254"/>
+            <a:ext cx="802263" cy="800631"/>
+          </a:xfrm>
+          <a:prstGeom prst="line">
+            <a:avLst/>
+          </a:prstGeom>
+        </p:spPr>
+        <p:style>
+          <a:lnRef idx="1">
+            <a:schemeClr val="accent1"/>
+          </a:lnRef>
+          <a:fillRef idx="0">
+            <a:schemeClr val="accent1"/>
+          </a:fillRef>
+          <a:effectRef idx="0">
+            <a:schemeClr val="accent1"/>
+          </a:effectRef>
+          <a:fontRef idx="minor">
+            <a:schemeClr val="tx1"/>
+          </a:fontRef>
+        </p:style>
+      </p:cxnSp>
+      <p:cxnSp>
+        <p:nvCxnSpPr>
+          <p:cNvPr id="89" name=""/>
+          <p:cNvCxnSpPr>
+            <a:stCxn id="80" idx="2"/>
+            <a:endCxn id="86" idx="0"/>
+          </p:cNvCxnSpPr>
+          <p:nvPr/>
+        </p:nvCxnSpPr>
+        <p:spPr>
+          <a:xfrm rot="16200000" flipH="1">
+            <a:off x="1785128" y="3139944"/>
+            <a:ext cx="830131" cy="735122"/>
+          </a:xfrm>
+          <a:prstGeom prst="line">
+            <a:avLst/>
+          </a:prstGeom>
+        </p:spPr>
+        <p:style>
+          <a:lnRef idx="1">
+            <a:schemeClr val="accent1"/>
+          </a:lnRef>
+          <a:fillRef idx="0">
+            <a:schemeClr val="accent1"/>
+          </a:fillRef>
+          <a:effectRef idx="0">
+            <a:schemeClr val="accent1"/>
+          </a:effectRef>
+          <a:fontRef idx="minor">
+            <a:schemeClr val="tx1"/>
+          </a:fontRef>
+        </p:style>
+      </p:cxnSp>
+      <p:cxnSp>
+        <p:nvCxnSpPr>
+          <p:cNvPr id="90" name=""/>
+          <p:cNvCxnSpPr>
+            <a:stCxn id="80" idx="3"/>
+            <a:endCxn id="5" idx="1"/>
+          </p:cNvCxnSpPr>
+          <p:nvPr/>
+        </p:nvCxnSpPr>
+        <p:spPr>
+          <a:xfrm flipV="1">
+            <a:off x="2581367" y="2646009"/>
+            <a:ext cx="2567968" cy="186876"/>
+          </a:xfrm>
+          <a:prstGeom prst="line">
+            <a:avLst/>
+          </a:prstGeom>
+        </p:spPr>
+        <p:style>
+          <a:lnRef idx="1">
+            <a:schemeClr val="accent1"/>
+          </a:lnRef>
+          <a:fillRef idx="0">
+            <a:schemeClr val="accent1"/>
+          </a:fillRef>
+          <a:effectRef idx="0">
+            <a:schemeClr val="accent1"/>
+          </a:effectRef>
+          <a:fontRef idx="minor">
+            <a:schemeClr val="tx1"/>
+          </a:fontRef>
+        </p:style>
+      </p:cxnSp>
+      <p:sp>
+        <p:nvSpPr>
+          <p:cNvPr id="91" name=""/>
+          <p:cNvSpPr txBox="1"/>
+          <p:nvPr/>
+        </p:nvSpPr>
+        <p:spPr>
+          <a:xfrm>
+            <a:off x="4779224" y="2212496"/>
+            <a:ext cx="333028" cy="360836"/>
+          </a:xfrm>
+          <a:prstGeom prst="rect">
+            <a:avLst/>
+          </a:prstGeom>
+        </p:spPr>
+        <p:txBody>
+          <a:bodyPr wrap="none">
+            <a:spAutoFit/>
+          </a:bodyPr>
+          <a:p>
+            <a:pPr>
+              <a:defRPr/>
+            </a:pPr>
+            <a:r>
+              <a:rPr lang="en-US" altLang="ko-KR"/>
+              <a:t>1</a:t>
+            </a:r>
+            <a:endParaRPr lang="en-US" altLang="ko-KR"/>
+          </a:p>
+        </p:txBody>
+      </p:sp>
+      <p:sp>
+        <p:nvSpPr>
+          <p:cNvPr id="92" name=""/>
+          <p:cNvSpPr txBox="1"/>
+          <p:nvPr/>
+        </p:nvSpPr>
+        <p:spPr>
+          <a:xfrm>
+            <a:off x="2581367" y="2433347"/>
+            <a:ext cx="237452" cy="365203"/>
+          </a:xfrm>
+          <a:prstGeom prst="rect">
+            <a:avLst/>
+          </a:prstGeom>
+        </p:spPr>
+        <p:txBody>
+          <a:bodyPr wrap="square">
+            <a:spAutoFit/>
+          </a:bodyPr>
+          <a:p>
+            <a:pPr>
+              <a:defRPr/>
+            </a:pPr>
+            <a:r>
+              <a:rPr lang="en-US" altLang="ko-KR"/>
+              <a:t>N</a:t>
+            </a:r>
+            <a:endParaRPr lang="en-US" altLang="ko-KR"/>
+          </a:p>
+        </p:txBody>
+      </p:sp>
+      <p:sp>
+        <p:nvSpPr>
+          <p:cNvPr id="93" name=""/>
+          <p:cNvSpPr/>
+          <p:nvPr/>
+        </p:nvSpPr>
+        <p:spPr>
+          <a:xfrm>
+            <a:off x="10850821" y="2473535"/>
+            <a:ext cx="1174801" cy="718702"/>
+          </a:xfrm>
+          <a:prstGeom prst="ellipse">
+            <a:avLst/>
+          </a:prstGeom>
+          <a:solidFill>
+            <a:srgbClr val="ffffff"/>
+          </a:solidFill>
+          <a:ln>
+            <a:solidFill>
+              <a:schemeClr val="dk1"/>
+            </a:solidFill>
+          </a:ln>
+        </p:spPr>
+        <p:style>
+          <a:lnRef idx="2">
+            <a:schemeClr val="accent1">
+              <a:shade val="20000"/>
+            </a:schemeClr>
+          </a:lnRef>
+          <a:fillRef idx="1">
+            <a:schemeClr val="accent1"/>
+          </a:fillRef>
+          <a:effectRef idx="0">
+            <a:schemeClr val="accent1"/>
+          </a:effectRef>
+          <a:fontRef idx="minor">
+            <a:schemeClr val="lt1"/>
+          </a:fontRef>
+        </p:style>
+        <p:txBody>
+          <a:bodyPr anchor="ctr"/>
+          <a:p>
+            <a:pPr algn="ctr">
+              <a:defRPr/>
+            </a:pPr>
+            <a:r>
+              <a:rPr lang="ko-KR" altLang="en-US" sz="1200">
+                <a:solidFill>
+                  <a:schemeClr val="tx1"/>
+                </a:solidFill>
+              </a:rPr>
+              <a:t>사원번호</a:t>
+            </a:r>
+            <a:endParaRPr lang="ko-KR" altLang="en-US" sz="1200">
+              <a:solidFill>
+                <a:schemeClr val="tx1"/>
+              </a:solidFill>
+            </a:endParaRPr>
+          </a:p>
+        </p:txBody>
+      </p:sp>
+      <p:cxnSp>
+        <p:nvCxnSpPr>
+          <p:cNvPr id="94" name=""/>
+          <p:cNvCxnSpPr>
+            <a:stCxn id="93" idx="2"/>
+            <a:endCxn id="12" idx="3"/>
+          </p:cNvCxnSpPr>
+          <p:nvPr/>
+        </p:nvCxnSpPr>
+        <p:spPr>
+          <a:xfrm rot="10800000">
+            <a:off x="10539750" y="2827116"/>
+            <a:ext cx="311073" cy="5769"/>
+          </a:xfrm>
+          <a:prstGeom prst="line">
+            <a:avLst/>
+          </a:prstGeom>
+        </p:spPr>
+        <p:style>
+          <a:lnRef idx="1">
+            <a:schemeClr val="accent1"/>
+          </a:lnRef>
+          <a:fillRef idx="0">
+            <a:schemeClr val="accent1"/>
+          </a:fillRef>
+          <a:effectRef idx="0">
+            <a:schemeClr val="accent1"/>
+          </a:effectRef>
+          <a:fontRef idx="minor">
+            <a:schemeClr val="tx1"/>
+          </a:fontRef>
+        </p:style>
+      </p:cxnSp>
     </p:spTree>
   </p:cSld>
   <p:clrMapOvr>

--- a/휴가 테이블.pptx
+++ b/휴가 테이블.pptx
@@ -2,7 +2,7 @@
 <file path=ppt/presentation.xml><?xml version="1.0" encoding="utf-8"?>
 <p:presentation xmlns:r="http://schemas.openxmlformats.org/officeDocument/2006/relationships" xmlns:c="http://schemas.openxmlformats.org/drawingml/2006/chart" xmlns:a="http://schemas.openxmlformats.org/drawingml/2006/main" xmlns:dgm="http://schemas.openxmlformats.org/drawingml/2006/diagram" xmlns:dsp="http://schemas.microsoft.com/office/drawing/2008/diagram" xmlns:p="http://schemas.openxmlformats.org/presentationml/2006/main">
   <p:sldMasterIdLst>
-    <p:sldMasterId id="2147483781" r:id="rId1"/>
+    <p:sldMasterId id="2147483783" r:id="rId1"/>
   </p:sldMasterIdLst>
   <p:notesMasterIdLst>
     <p:notesMasterId r:id="rId2"/>
@@ -5914,7 +5914,7 @@
         </p:nvSpPr>
         <p:spPr>
           <a:xfrm>
-            <a:off x="1245232" y="807964"/>
+            <a:off x="1832634" y="1091344"/>
             <a:ext cx="1174801" cy="718702"/>
           </a:xfrm>
           <a:prstGeom prst="ellipse">
@@ -6036,7 +6036,7 @@
         </p:nvSpPr>
         <p:spPr>
           <a:xfrm>
-            <a:off x="1840770" y="3922571"/>
+            <a:off x="231370" y="1073992"/>
             <a:ext cx="1453968" cy="718702"/>
           </a:xfrm>
           <a:prstGeom prst="ellipse">
@@ -6099,9 +6099,9 @@
           <p:nvPr/>
         </p:nvCxnSpPr>
         <p:spPr>
-          <a:xfrm rot="16200000" flipH="1" flipV="1">
-            <a:off x="1309300" y="2049998"/>
-            <a:ext cx="1046666" cy="0"/>
+          <a:xfrm rot="5400000">
+            <a:off x="1744691" y="1897988"/>
+            <a:ext cx="763285" cy="587401"/>
           </a:xfrm>
           <a:prstGeom prst="line">
             <a:avLst/>
@@ -6159,15 +6159,15 @@
         <p:nvCxnSpPr>
           <p:cNvPr id="89" name=""/>
           <p:cNvCxnSpPr>
-            <a:stCxn id="80" idx="2"/>
-            <a:endCxn id="86" idx="0"/>
+            <a:stCxn id="80" idx="0"/>
+            <a:endCxn id="86" idx="4"/>
           </p:cNvCxnSpPr>
           <p:nvPr/>
         </p:nvCxnSpPr>
         <p:spPr>
-          <a:xfrm rot="16200000" flipH="1">
-            <a:off x="1785128" y="3139944"/>
-            <a:ext cx="830131" cy="735122"/>
+          <a:xfrm rot="10800000">
+            <a:off x="958355" y="1792694"/>
+            <a:ext cx="874277" cy="780637"/>
           </a:xfrm>
           <a:prstGeom prst="line">
             <a:avLst/>

--- a/휴가 테이블.pptx
+++ b/휴가 테이블.pptx
@@ -2,7 +2,7 @@
 <file path=ppt/presentation.xml><?xml version="1.0" encoding="utf-8"?>
 <p:presentation xmlns:r="http://schemas.openxmlformats.org/officeDocument/2006/relationships" xmlns:c="http://schemas.openxmlformats.org/drawingml/2006/chart" xmlns:a="http://schemas.openxmlformats.org/drawingml/2006/main" xmlns:dgm="http://schemas.openxmlformats.org/drawingml/2006/diagram" xmlns:dsp="http://schemas.microsoft.com/office/drawing/2008/diagram" xmlns:p="http://schemas.openxmlformats.org/presentationml/2006/main">
   <p:sldMasterIdLst>
-    <p:sldMasterId id="2147483783" r:id="rId1"/>
+    <p:sldMasterId id="2147483778" r:id="rId1"/>
   </p:sldMasterIdLst>
   <p:notesMasterIdLst>
     <p:notesMasterId r:id="rId2"/>
@@ -216,7 +216,7 @@
               <a:pPr lvl="0">
                 <a:defRPr/>
               </a:pPr>
-              <a:t>2025-05-21</a:t>
+              <a:t>2025-05-22</a:t>
             </a:fld>
             <a:endParaRPr lang="ko-KR" altLang="en-US"/>
           </a:p>
@@ -4121,7 +4121,7 @@
         </p:nvSpPr>
         <p:spPr>
           <a:xfrm>
-            <a:off x="4921199" y="269721"/>
+            <a:off x="5251042" y="269721"/>
             <a:ext cx="1174801" cy="718702"/>
           </a:xfrm>
           <a:prstGeom prst="ellipse">
@@ -4161,15 +4161,17 @@
             <a:r>
               <a:rPr lang="ko-KR" altLang="en-US" sz="1200" b="1" u="sng">
                 <a:solidFill>
-                  <a:schemeClr val="tx1"/>
+                  <a:srgbClr val="ff0000"/>
                 </a:solidFill>
+                <a:effectLst/>
               </a:rPr>
               <a:t>사원번호</a:t>
             </a:r>
             <a:endParaRPr lang="ko-KR" altLang="en-US" sz="1200" b="1" u="sng">
               <a:solidFill>
-                <a:schemeClr val="tx1"/>
+                <a:srgbClr val="ff0000"/>
               </a:solidFill>
+              <a:effectLst/>
             </a:endParaRPr>
           </a:p>
         </p:txBody>
@@ -4238,7 +4240,7 @@
         </p:nvSpPr>
         <p:spPr>
           <a:xfrm>
-            <a:off x="3688604" y="168565"/>
+            <a:off x="3984367" y="296446"/>
             <a:ext cx="1164968" cy="576242"/>
           </a:xfrm>
           <a:prstGeom prst="ellipse">
@@ -4355,7 +4357,7 @@
         </p:nvSpPr>
         <p:spPr>
           <a:xfrm>
-            <a:off x="6289424" y="564348"/>
+            <a:off x="6919915" y="1258602"/>
             <a:ext cx="776645" cy="487232"/>
           </a:xfrm>
           <a:prstGeom prst="ellipse">
@@ -4517,14 +4519,14 @@
             <a:r>
               <a:rPr lang="ko-KR" altLang="en-US" sz="1200" b="1" u="sng">
                 <a:solidFill>
-                  <a:schemeClr val="tx1"/>
+                  <a:srgbClr val="ff0000"/>
                 </a:solidFill>
               </a:rPr>
               <a:t>휴가 신청 번호</a:t>
             </a:r>
             <a:endParaRPr lang="ko-KR" altLang="en-US" sz="1200" b="1" u="sng">
               <a:solidFill>
-                <a:schemeClr val="tx1"/>
+                <a:srgbClr val="ff0000"/>
               </a:solidFill>
             </a:endParaRPr>
           </a:p>
@@ -4538,7 +4540,7 @@
         </p:nvSpPr>
         <p:spPr>
           <a:xfrm>
-            <a:off x="3442033" y="946112"/>
+            <a:off x="3538291" y="1024106"/>
             <a:ext cx="1240933" cy="487231"/>
           </a:xfrm>
           <a:prstGeom prst="ellipse">
@@ -4619,9 +4621,9 @@
           <p:nvPr/>
         </p:nvCxnSpPr>
         <p:spPr>
-          <a:xfrm rot="16200000" flipV="1">
-            <a:off x="4822824" y="1674199"/>
-            <a:ext cx="1404490" cy="32938"/>
+          <a:xfrm rot="5400000" flipH="1" flipV="1">
+            <a:off x="4987744" y="1542216"/>
+            <a:ext cx="1404491" cy="296904"/>
           </a:xfrm>
           <a:prstGeom prst="line">
             <a:avLst/>
@@ -4868,9 +4870,9 @@
           <p:nvPr/>
         </p:nvCxnSpPr>
         <p:spPr>
-          <a:xfrm rot="10800000">
-            <a:off x="4501236" y="1361990"/>
-            <a:ext cx="1040301" cy="1030923"/>
+          <a:xfrm rot="16200000" flipV="1">
+            <a:off x="4593051" y="1444427"/>
+            <a:ext cx="952929" cy="944044"/>
           </a:xfrm>
           <a:prstGeom prst="line">
             <a:avLst/>
@@ -4901,9 +4903,9 @@
           <p:nvPr/>
         </p:nvCxnSpPr>
         <p:spPr>
-          <a:xfrm rot="5400000" flipH="1" flipV="1">
-            <a:off x="5266005" y="1255758"/>
-            <a:ext cx="1412687" cy="861625"/>
+          <a:xfrm flipV="1">
+            <a:off x="5541538" y="1674480"/>
+            <a:ext cx="1492114" cy="718433"/>
           </a:xfrm>
           <a:prstGeom prst="line">
             <a:avLst/>
@@ -4935,8 +4937,8 @@
         </p:nvCxnSpPr>
         <p:spPr>
           <a:xfrm rot="16200000" flipV="1">
-            <a:off x="4246004" y="1097380"/>
-            <a:ext cx="1732495" cy="858571"/>
+            <a:off x="4457826" y="1309202"/>
+            <a:ext cx="1604614" cy="562808"/>
           </a:xfrm>
           <a:prstGeom prst="line">
             <a:avLst/>
@@ -4967,9 +4969,9 @@
           <p:nvPr/>
         </p:nvCxnSpPr>
         <p:spPr>
-          <a:xfrm flipV="1">
-            <a:off x="5541538" y="1274117"/>
-            <a:ext cx="1815230" cy="1118797"/>
+          <a:xfrm rot="5400000" flipH="1" flipV="1">
+            <a:off x="5534192" y="618867"/>
+            <a:ext cx="1781392" cy="1766700"/>
           </a:xfrm>
           <a:prstGeom prst="line">
             <a:avLst/>
@@ -5001,8 +5003,8 @@
         </p:nvCxnSpPr>
         <p:spPr>
           <a:xfrm rot="5400000">
-            <a:off x="4149011" y="4156634"/>
-            <a:ext cx="2650056" cy="134997"/>
+            <a:off x="4168108" y="3440820"/>
+            <a:ext cx="1915144" cy="831714"/>
           </a:xfrm>
           <a:prstGeom prst="line">
             <a:avLst/>
@@ -5100,8 +5102,8 @@
         </p:nvCxnSpPr>
         <p:spPr>
           <a:xfrm rot="16200000" flipH="1">
-            <a:off x="4852573" y="3588070"/>
-            <a:ext cx="1932392" cy="554462"/>
+            <a:off x="4974229" y="3466414"/>
+            <a:ext cx="1915144" cy="780525"/>
           </a:xfrm>
           <a:prstGeom prst="line">
             <a:avLst/>
@@ -5130,7 +5132,7 @@
         </p:nvSpPr>
         <p:spPr>
           <a:xfrm>
-            <a:off x="4717082" y="5549161"/>
+            <a:off x="4020365" y="4814249"/>
             <a:ext cx="1378918" cy="591911"/>
           </a:xfrm>
           <a:prstGeom prst="ellipse">
@@ -5191,7 +5193,7 @@
         </p:nvSpPr>
         <p:spPr>
           <a:xfrm>
-            <a:off x="3634948" y="4875739"/>
+            <a:off x="3229211" y="4159153"/>
             <a:ext cx="1272280" cy="576242"/>
           </a:xfrm>
           <a:prstGeom prst="ellipse">
@@ -5252,7 +5254,7 @@
         </p:nvSpPr>
         <p:spPr>
           <a:xfrm>
-            <a:off x="6484322" y="1189728"/>
+            <a:off x="6435792" y="527132"/>
             <a:ext cx="1022134" cy="576242"/>
           </a:xfrm>
           <a:prstGeom prst="ellipse">
@@ -5313,7 +5315,7 @@
         </p:nvSpPr>
         <p:spPr>
           <a:xfrm>
-            <a:off x="5514253" y="4831497"/>
+            <a:off x="5740316" y="4814249"/>
             <a:ext cx="1163494" cy="576242"/>
           </a:xfrm>
           <a:prstGeom prst="ellipse">
@@ -5376,9 +5378,9 @@
           <p:nvPr/>
         </p:nvCxnSpPr>
         <p:spPr>
-          <a:xfrm rot="5400000" flipH="1" flipV="1">
-            <a:off x="3917996" y="3252197"/>
-            <a:ext cx="1976634" cy="1270450"/>
+          <a:xfrm flipV="1">
+            <a:off x="3865351" y="2899105"/>
+            <a:ext cx="1676187" cy="1260048"/>
           </a:xfrm>
           <a:prstGeom prst="line">
             <a:avLst/>
@@ -5407,7 +5409,7 @@
         </p:nvSpPr>
         <p:spPr>
           <a:xfrm>
-            <a:off x="6504647" y="4447275"/>
+            <a:off x="6591855" y="4254053"/>
             <a:ext cx="1249592" cy="487231"/>
           </a:xfrm>
           <a:prstGeom prst="ellipse">
@@ -5694,14 +5696,14 @@
           <p:cNvPr id="76" name=""/>
           <p:cNvCxnSpPr>
             <a:stCxn id="5" idx="2"/>
-            <a:endCxn id="66" idx="0"/>
+            <a:endCxn id="66" idx="1"/>
           </p:cNvCxnSpPr>
           <p:nvPr/>
         </p:nvCxnSpPr>
         <p:spPr>
-          <a:xfrm>
-            <a:off x="5541538" y="2899105"/>
-            <a:ext cx="1587905" cy="1548170"/>
+          <a:xfrm rot="16200000" flipH="1">
+            <a:off x="5445045" y="2995598"/>
+            <a:ext cx="1426301" cy="1233315"/>
           </a:xfrm>
           <a:prstGeom prst="line">
             <a:avLst/>
@@ -5830,7 +5832,23 @@
                   <a:schemeClr val="tx1"/>
                 </a:solidFill>
               </a:rPr>
-              <a:t>휴가 총 사용일</a:t>
+              <a:t>휴가</a:t>
+            </a:r>
+            <a:r>
+              <a:rPr lang="en-US" altLang="ko-KR" sz="1200">
+                <a:solidFill>
+                  <a:schemeClr val="tx1"/>
+                </a:solidFill>
+              </a:rPr>
+              <a:t> </a:t>
+            </a:r>
+            <a:r>
+              <a:rPr lang="ko-KR" altLang="en-US" sz="1200">
+                <a:solidFill>
+                  <a:schemeClr val="tx1"/>
+                </a:solidFill>
+              </a:rPr>
+              <a:t>목록</a:t>
             </a:r>
             <a:endParaRPr lang="ko-KR" altLang="en-US" sz="1200">
               <a:solidFill>
@@ -5954,14 +5972,14 @@
             <a:r>
               <a:rPr lang="ko-KR" altLang="en-US" sz="1200" b="1" u="sng">
                 <a:solidFill>
-                  <a:schemeClr val="tx1"/>
+                  <a:srgbClr val="289b6e"/>
                 </a:solidFill>
               </a:rPr>
               <a:t>사원번호</a:t>
             </a:r>
             <a:endParaRPr lang="ko-KR" altLang="en-US" sz="1200" b="1" u="sng">
               <a:solidFill>
-                <a:schemeClr val="tx1"/>
+                <a:srgbClr val="289b6e"/>
               </a:solidFill>
             </a:endParaRPr>
           </a:p>
@@ -5975,7 +5993,7 @@
         </p:nvSpPr>
         <p:spPr>
           <a:xfrm>
-            <a:off x="231370" y="3894702"/>
+            <a:off x="525071" y="4359427"/>
             <a:ext cx="1601262" cy="718702"/>
           </a:xfrm>
           <a:prstGeom prst="ellipse">
@@ -6076,14 +6094,14 @@
             <a:r>
               <a:rPr lang="ko-KR" altLang="en-US" sz="1200" b="1" u="sng">
                 <a:solidFill>
-                  <a:schemeClr val="tx1"/>
+                  <a:srgbClr val="ff0000"/>
                 </a:solidFill>
               </a:rPr>
               <a:t>연차 연도</a:t>
             </a:r>
             <a:endParaRPr lang="ko-KR" altLang="en-US" sz="1200" b="1" u="sng">
               <a:solidFill>
-                <a:schemeClr val="tx1"/>
+                <a:srgbClr val="ff0000"/>
               </a:solidFill>
             </a:endParaRPr>
           </a:p>
@@ -6133,8 +6151,8 @@
         </p:nvCxnSpPr>
         <p:spPr>
           <a:xfrm rot="5400000">
-            <a:off x="1031186" y="3093254"/>
-            <a:ext cx="802263" cy="800631"/>
+            <a:off x="945673" y="3472468"/>
+            <a:ext cx="1266988" cy="506930"/>
           </a:xfrm>
           <a:prstGeom prst="line">
             <a:avLst/>
